--- a/Slides/u02_Ch7_ttest.pptx
+++ b/Slides/u02_Ch7_ttest.pptx
@@ -284,7 +284,7 @@
           <a:p>
             <a:fld id="{463B2355-98C8-451F-BE71-5FA915B2B77F}" type="datetimeFigureOut">
               <a:rPr lang="en-US" smtClean="0"/>
-              <a:t>2/9/18</a:t>
+              <a:t>9/28/20</a:t>
             </a:fld>
             <a:endParaRPr lang="en-US"/>
           </a:p>
@@ -2333,7 +2333,7 @@
           <a:p>
             <a:fld id="{C41BB906-E02A-4631-A9D3-1A444BC6FB91}" type="datetime1">
               <a:rPr lang="en-US" smtClean="0"/>
-              <a:t>2/9/18</a:t>
+              <a:t>9/28/20</a:t>
             </a:fld>
             <a:endParaRPr lang="en-US"/>
           </a:p>
@@ -2611,7 +2611,7 @@
           <a:p>
             <a:fld id="{C85551E2-6DF5-4122-94D6-E9F52ADDD658}" type="datetime1">
               <a:rPr lang="en-US" smtClean="0"/>
-              <a:t>2/9/18</a:t>
+              <a:t>9/28/20</a:t>
             </a:fld>
             <a:endParaRPr lang="en-US"/>
           </a:p>
@@ -2809,7 +2809,7 @@
           <a:p>
             <a:fld id="{C85551E2-6DF5-4122-94D6-E9F52ADDD658}" type="datetime1">
               <a:rPr lang="en-US" smtClean="0"/>
-              <a:t>2/9/18</a:t>
+              <a:t>9/28/20</a:t>
             </a:fld>
             <a:endParaRPr lang="en-US"/>
           </a:p>
@@ -3086,7 +3086,7 @@
           <a:p>
             <a:fld id="{C85551E2-6DF5-4122-94D6-E9F52ADDD658}" type="datetime1">
               <a:rPr lang="en-US" smtClean="0"/>
-              <a:t>2/9/18</a:t>
+              <a:t>9/28/20</a:t>
             </a:fld>
             <a:endParaRPr lang="en-US"/>
           </a:p>
@@ -3431,7 +3431,7 @@
           <a:p>
             <a:fld id="{C85551E2-6DF5-4122-94D6-E9F52ADDD658}" type="datetime1">
               <a:rPr lang="en-US" smtClean="0"/>
-              <a:t>2/9/18</a:t>
+              <a:t>9/28/20</a:t>
             </a:fld>
             <a:endParaRPr lang="en-US"/>
           </a:p>
@@ -4058,7 +4058,7 @@
           <a:p>
             <a:fld id="{C85551E2-6DF5-4122-94D6-E9F52ADDD658}" type="datetime1">
               <a:rPr lang="en-US" smtClean="0"/>
-              <a:t>2/9/18</a:t>
+              <a:t>9/28/20</a:t>
             </a:fld>
             <a:endParaRPr lang="en-US"/>
           </a:p>
@@ -4922,7 +4922,7 @@
           <a:p>
             <a:fld id="{C85551E2-6DF5-4122-94D6-E9F52ADDD658}" type="datetime1">
               <a:rPr lang="en-US" smtClean="0"/>
-              <a:t>2/9/18</a:t>
+              <a:t>9/28/20</a:t>
             </a:fld>
             <a:endParaRPr lang="en-US"/>
           </a:p>
@@ -5096,7 +5096,7 @@
           <a:p>
             <a:fld id="{BD8BFCD5-0679-4AAE-9E88-72689E290DC0}" type="datetime1">
               <a:rPr lang="en-US" smtClean="0"/>
-              <a:t>2/9/18</a:t>
+              <a:t>9/28/20</a:t>
             </a:fld>
             <a:endParaRPr lang="en-US"/>
           </a:p>
@@ -5279,7 +5279,7 @@
           <a:p>
             <a:fld id="{2A5A6AAE-B8FC-4895-A6C3-B664F53991E4}" type="datetime1">
               <a:rPr lang="en-US" smtClean="0"/>
-              <a:t>2/9/18</a:t>
+              <a:t>9/28/20</a:t>
             </a:fld>
             <a:endParaRPr lang="en-US"/>
           </a:p>
@@ -5452,7 +5452,7 @@
           <a:p>
             <a:fld id="{0C347EB5-8B41-468D-855C-7A1A5286B8FB}" type="datetime1">
               <a:rPr lang="en-US" smtClean="0"/>
-              <a:t>2/9/18</a:t>
+              <a:t>9/28/20</a:t>
             </a:fld>
             <a:endParaRPr lang="en-US"/>
           </a:p>
@@ -5702,7 +5702,7 @@
           <a:p>
             <a:fld id="{4A50FAE3-40EF-4F10-A0DC-55C541DD861E}" type="datetime1">
               <a:rPr lang="en-US" smtClean="0"/>
-              <a:t>2/9/18</a:t>
+              <a:t>9/28/20</a:t>
             </a:fld>
             <a:endParaRPr lang="en-US"/>
           </a:p>
@@ -5997,7 +5997,7 @@
           <a:p>
             <a:fld id="{87DFEED5-1FD6-4A4E-8D44-68E614897E6E}" type="datetime1">
               <a:rPr lang="en-US" smtClean="0"/>
-              <a:t>2/9/18</a:t>
+              <a:t>9/28/20</a:t>
             </a:fld>
             <a:endParaRPr lang="en-US"/>
           </a:p>
@@ -6444,7 +6444,7 @@
           <a:p>
             <a:fld id="{F12C4B72-6149-40A2-A1DC-D316C1EC3829}" type="datetime1">
               <a:rPr lang="en-US" smtClean="0"/>
-              <a:t>2/9/18</a:t>
+              <a:t>9/28/20</a:t>
             </a:fld>
             <a:endParaRPr lang="en-US"/>
           </a:p>
@@ -6565,7 +6565,7 @@
           <a:p>
             <a:fld id="{B6E7FFDD-1CCC-4145-9D82-0C7680E3E6DE}" type="datetime1">
               <a:rPr lang="en-US" smtClean="0"/>
-              <a:t>2/9/18</a:t>
+              <a:t>9/28/20</a:t>
             </a:fld>
             <a:endParaRPr lang="en-US"/>
           </a:p>
@@ -6663,7 +6663,7 @@
           <a:p>
             <a:fld id="{9FD32983-8B80-44D7-AAFB-C9F81FB6A331}" type="datetime1">
               <a:rPr lang="en-US" smtClean="0"/>
-              <a:t>2/9/18</a:t>
+              <a:t>9/28/20</a:t>
             </a:fld>
             <a:endParaRPr lang="en-US"/>
           </a:p>
@@ -6945,7 +6945,7 @@
           <a:p>
             <a:fld id="{2AFC3D92-FF80-40B0-ADD3-B34BA87CDC2B}" type="datetime1">
               <a:rPr lang="en-US" smtClean="0"/>
-              <a:t>2/9/18</a:t>
+              <a:t>9/28/20</a:t>
             </a:fld>
             <a:endParaRPr lang="en-US"/>
           </a:p>
@@ -7223,7 +7223,7 @@
           <a:p>
             <a:fld id="{BEBED78B-DAEA-4ACD-AC41-E7F2D3DEA04A}" type="datetime1">
               <a:rPr lang="en-US" smtClean="0"/>
-              <a:t>2/9/18</a:t>
+              <a:t>9/28/20</a:t>
             </a:fld>
             <a:endParaRPr lang="en-US"/>
           </a:p>
@@ -7655,7 +7655,7 @@
           <a:p>
             <a:fld id="{C85551E2-6DF5-4122-94D6-E9F52ADDD658}" type="datetime1">
               <a:rPr lang="en-US" smtClean="0"/>
-              <a:t>2/9/18</a:t>
+              <a:t>9/28/20</a:t>
             </a:fld>
             <a:endParaRPr lang="en-US"/>
           </a:p>
@@ -9031,7 +9031,7 @@
           </a:p>
           <a:p>
             <a:r>
-              <a:rPr lang="en-US" sz="1200" dirty="0">
+              <a:rPr lang="en-US" sz="1200">
                 <a:solidFill>
                   <a:schemeClr val="accent5">
                     <a:lumMod val="50000"/>
@@ -9040,7 +9040,19 @@
                 <a:latin typeface="Consolas" panose="020B0609020204030204" pitchFamily="49" charset="0"/>
                 <a:cs typeface="Consolas" panose="020B0609020204030204" pitchFamily="49" charset="0"/>
               </a:rPr>
-              <a:t>#&gt; 	Welch Two Sample t-test</a:t>
+              <a:t>#&gt;   </a:t>
+            </a:r>
+            <a:r>
+              <a:rPr lang="en-US" sz="1200" dirty="0">
+                <a:solidFill>
+                  <a:schemeClr val="accent5">
+                    <a:lumMod val="50000"/>
+                  </a:schemeClr>
+                </a:solidFill>
+                <a:latin typeface="Consolas" panose="020B0609020204030204" pitchFamily="49" charset="0"/>
+                <a:cs typeface="Consolas" panose="020B0609020204030204" pitchFamily="49" charset="0"/>
+              </a:rPr>
+              <a:t>Two Sample t-test</a:t>
             </a:r>
           </a:p>
           <a:p>
@@ -16969,8 +16981,8 @@
           </a:p>
         </p:txBody>
       </p:sp>
-      <mc:AlternateContent xmlns:mc="http://schemas.openxmlformats.org/markup-compatibility/2006" xmlns:a14="http://schemas.microsoft.com/office/drawing/2010/main">
-        <mc:Choice Requires="a14">
+      <mc:AlternateContent xmlns:mc="http://schemas.openxmlformats.org/markup-compatibility/2006">
+        <mc:Choice xmlns:a14="http://schemas.microsoft.com/office/drawing/2010/main" Requires="a14">
           <p:sp>
             <p:nvSpPr>
               <p:cNvPr id="8" name="TextBox 7"/>
@@ -16980,7 +16992,7 @@
             <p:spPr>
               <a:xfrm>
                 <a:off x="5905327" y="282992"/>
-                <a:ext cx="4498684" cy="2169376"/>
+                <a:ext cx="4498684" cy="1861600"/>
               </a:xfrm>
               <a:prstGeom prst="rect">
                 <a:avLst/>
@@ -17023,15 +17035,6 @@
                     <a:latin typeface="Cambria Math" panose="02040503050406030204" pitchFamily="18" charset="0"/>
                   </a:rPr>
                   <a:t>Separate Variance t-Test</a:t>
-                </a:r>
-              </a:p>
-              <a:p>
-                <a:pPr algn="ctr"/>
-                <a:r>
-                  <a:rPr lang="en-US" sz="2000" i="1" dirty="0">
-                    <a:latin typeface="Cambria Math" panose="02040503050406030204" pitchFamily="18" charset="0"/>
-                  </a:rPr>
-                  <a:t>(need HOV)</a:t>
                 </a:r>
               </a:p>
               <a:p>
@@ -17443,7 +17446,7 @@
             </p:txBody>
           </p:sp>
         </mc:Choice>
-        <mc:Fallback xmlns="">
+        <mc:Fallback>
           <p:sp>
             <p:nvSpPr>
               <p:cNvPr id="8" name="TextBox 7"/>
@@ -17455,7 +17458,7 @@
             <p:spPr>
               <a:xfrm>
                 <a:off x="5905327" y="282992"/>
-                <a:ext cx="4498684" cy="2169376"/>
+                <a:ext cx="4498684" cy="1861600"/>
               </a:xfrm>
               <a:prstGeom prst="rect">
                 <a:avLst/>
@@ -17463,7 +17466,7 @@
               <a:blipFill>
                 <a:blip r:embed="rId3"/>
                 <a:stretch>
-                  <a:fillRect t="-571"/>
+                  <a:fillRect t="-662"/>
                 </a:stretch>
               </a:blipFill>
               <a:ln w="38100">
@@ -17498,8 +17501,8 @@
         </p:nvCxnSpPr>
         <p:spPr>
           <a:xfrm flipV="1">
-            <a:off x="3353627" y="1367680"/>
-            <a:ext cx="2551700" cy="3599490"/>
+            <a:off x="3353627" y="1213792"/>
+            <a:ext cx="2551700" cy="3753378"/>
           </a:xfrm>
           <a:prstGeom prst="straightConnector1">
             <a:avLst/>
@@ -17526,8 +17529,8 @@
           </a:fontRef>
         </p:style>
       </p:cxnSp>
-      <mc:AlternateContent xmlns:mc="http://schemas.openxmlformats.org/markup-compatibility/2006" xmlns:a14="http://schemas.microsoft.com/office/drawing/2010/main">
-        <mc:Choice Requires="a14">
+      <mc:AlternateContent xmlns:mc="http://schemas.openxmlformats.org/markup-compatibility/2006">
+        <mc:Choice xmlns:a14="http://schemas.microsoft.com/office/drawing/2010/main" Requires="a14">
           <p:sp>
             <p:nvSpPr>
               <p:cNvPr id="25" name="TextBox 24"/>
@@ -17537,7 +17540,7 @@
             <p:spPr>
               <a:xfrm>
                 <a:off x="5905327" y="3011235"/>
-                <a:ext cx="4498684" cy="1923283"/>
+                <a:ext cx="4498684" cy="1553952"/>
               </a:xfrm>
               <a:prstGeom prst="rect">
                 <a:avLst/>
@@ -17580,15 +17583,6 @@
                     <a:latin typeface="Cambria Math" panose="02040503050406030204" pitchFamily="18" charset="0"/>
                   </a:rPr>
                   <a:t>Pooled-Variance t-Test</a:t>
-                </a:r>
-              </a:p>
-              <a:p>
-                <a:pPr algn="ctr"/>
-                <a:r>
-                  <a:rPr lang="en-US" sz="2000" i="1" dirty="0">
-                    <a:latin typeface="Cambria Math" panose="02040503050406030204" pitchFamily="18" charset="0"/>
-                  </a:rPr>
-                  <a:t>(different sample sizes)</a:t>
                 </a:r>
               </a:p>
               <a:p>
@@ -17966,7 +17960,7 @@
             </p:txBody>
           </p:sp>
         </mc:Choice>
-        <mc:Fallback xmlns="">
+        <mc:Fallback>
           <p:sp>
             <p:nvSpPr>
               <p:cNvPr id="25" name="TextBox 24"/>
@@ -17978,7 +17972,7 @@
             <p:spPr>
               <a:xfrm>
                 <a:off x="5905327" y="3011235"/>
-                <a:ext cx="4498684" cy="1923283"/>
+                <a:ext cx="4498684" cy="1553952"/>
               </a:xfrm>
               <a:prstGeom prst="rect">
                 <a:avLst/>
@@ -17986,7 +17980,7 @@
               <a:blipFill>
                 <a:blip r:embed="rId4"/>
                 <a:stretch>
-                  <a:fillRect t="-641"/>
+                  <a:fillRect t="-794"/>
                 </a:stretch>
               </a:blipFill>
               <a:ln w="38100">
@@ -18010,8 +18004,8 @@
           </p:sp>
         </mc:Fallback>
       </mc:AlternateContent>
-      <mc:AlternateContent xmlns:mc="http://schemas.openxmlformats.org/markup-compatibility/2006" xmlns:a14="http://schemas.microsoft.com/office/drawing/2010/main">
-        <mc:Choice Requires="a14">
+      <mc:AlternateContent xmlns:mc="http://schemas.openxmlformats.org/markup-compatibility/2006">
+        <mc:Choice xmlns:a14="http://schemas.microsoft.com/office/drawing/2010/main" Requires="a14">
           <p:sp>
             <p:nvSpPr>
               <p:cNvPr id="27" name="Rectangle 26"/>
@@ -18020,7 +18014,7 @@
             </p:nvSpPr>
             <p:spPr>
               <a:xfrm>
-                <a:off x="6983226" y="5526308"/>
+                <a:off x="6983226" y="5224967"/>
                 <a:ext cx="2342885" cy="1247842"/>
               </a:xfrm>
               <a:prstGeom prst="rect">
@@ -18427,7 +18421,7 @@
             </p:txBody>
           </p:sp>
         </mc:Choice>
-        <mc:Fallback xmlns="">
+        <mc:Fallback>
           <p:sp>
             <p:nvSpPr>
               <p:cNvPr id="27" name="Rectangle 26"/>
@@ -18438,7 +18432,7 @@
             </p:nvSpPr>
             <p:spPr>
               <a:xfrm>
-                <a:off x="6983226" y="5526308"/>
+                <a:off x="6983226" y="5224967"/>
                 <a:ext cx="2342885" cy="1247842"/>
               </a:xfrm>
               <a:prstGeom prst="rect">
@@ -18447,7 +18441,7 @@
               <a:blipFill>
                 <a:blip r:embed="rId5"/>
                 <a:stretch>
-                  <a:fillRect b="-5941"/>
+                  <a:fillRect b="-4950"/>
                 </a:stretch>
               </a:blipFill>
               <a:ln>
@@ -18473,8 +18467,8 @@
           </p:sp>
         </mc:Fallback>
       </mc:AlternateContent>
-      <mc:AlternateContent xmlns:mc="http://schemas.openxmlformats.org/markup-compatibility/2006" xmlns:a14="http://schemas.microsoft.com/office/drawing/2010/main">
-        <mc:Choice Requires="a14">
+      <mc:AlternateContent xmlns:mc="http://schemas.openxmlformats.org/markup-compatibility/2006">
+        <mc:Choice xmlns:a14="http://schemas.microsoft.com/office/drawing/2010/main" Requires="a14">
           <p:sp>
             <p:nvSpPr>
               <p:cNvPr id="28" name="TextBox 27"/>
@@ -18483,7 +18477,7 @@
             </p:nvSpPr>
             <p:spPr>
               <a:xfrm>
-                <a:off x="5905327" y="2593302"/>
+                <a:off x="5884164" y="2267918"/>
                 <a:ext cx="4498684" cy="276999"/>
               </a:xfrm>
               <a:prstGeom prst="rect">
@@ -18521,7 +18515,6 @@
               </a:bodyPr>
               <a:lstStyle/>
               <a:p>
-                <a:pPr/>
                 <a14:m>
                   <m:oMathPara xmlns:m="http://schemas.openxmlformats.org/officeDocument/2006/math">
                     <m:oMathParaPr>
@@ -18529,7 +18522,116 @@
                     </m:oMathParaPr>
                     <m:oMath xmlns:m="http://schemas.openxmlformats.org/officeDocument/2006/math">
                       <m:r>
-                        <a:rPr lang="en-US" b="1" i="1" smtClean="0">
+                        <a:rPr lang="en-US" i="1" smtClean="0">
+                          <a:solidFill>
+                            <a:schemeClr val="bg1"/>
+                          </a:solidFill>
+                          <a:latin typeface="Cambria Math" panose="02040503050406030204" pitchFamily="18" charset="0"/>
+                        </a:rPr>
+                        <m:t>𝑚𝑖𝑛</m:t>
+                      </m:r>
+                      <m:d>
+                        <m:dPr>
+                          <m:ctrlPr>
+                            <a:rPr lang="en-US" i="1">
+                              <a:solidFill>
+                                <a:schemeClr val="bg1"/>
+                              </a:solidFill>
+                              <a:latin typeface="Cambria Math" panose="02040503050406030204" pitchFamily="18" charset="0"/>
+                            </a:rPr>
+                          </m:ctrlPr>
+                        </m:dPr>
+                        <m:e>
+                          <m:sSub>
+                            <m:sSubPr>
+                              <m:ctrlPr>
+                                <a:rPr lang="en-US" i="1">
+                                  <a:solidFill>
+                                    <a:schemeClr val="bg1"/>
+                                  </a:solidFill>
+                                  <a:latin typeface="Cambria Math" panose="02040503050406030204" pitchFamily="18" charset="0"/>
+                                </a:rPr>
+                              </m:ctrlPr>
+                            </m:sSubPr>
+                            <m:e>
+                              <m:r>
+                                <a:rPr lang="en-US" i="1">
+                                  <a:solidFill>
+                                    <a:schemeClr val="bg1"/>
+                                  </a:solidFill>
+                                  <a:latin typeface="Cambria Math" panose="02040503050406030204" pitchFamily="18" charset="0"/>
+                                </a:rPr>
+                                <m:t>𝑛</m:t>
+                              </m:r>
+                            </m:e>
+                            <m:sub>
+                              <m:r>
+                                <a:rPr lang="en-US" i="1">
+                                  <a:solidFill>
+                                    <a:schemeClr val="bg1"/>
+                                  </a:solidFill>
+                                  <a:latin typeface="Cambria Math" panose="02040503050406030204" pitchFamily="18" charset="0"/>
+                                </a:rPr>
+                                <m:t>1</m:t>
+                              </m:r>
+                            </m:sub>
+                          </m:sSub>
+                          <m:r>
+                            <a:rPr lang="en-US" i="1">
+                              <a:solidFill>
+                                <a:schemeClr val="bg1"/>
+                              </a:solidFill>
+                              <a:latin typeface="Cambria Math" panose="02040503050406030204" pitchFamily="18" charset="0"/>
+                            </a:rPr>
+                            <m:t>, </m:t>
+                          </m:r>
+                          <m:sSub>
+                            <m:sSubPr>
+                              <m:ctrlPr>
+                                <a:rPr lang="en-US" i="1">
+                                  <a:solidFill>
+                                    <a:schemeClr val="bg1"/>
+                                  </a:solidFill>
+                                  <a:latin typeface="Cambria Math" panose="02040503050406030204" pitchFamily="18" charset="0"/>
+                                </a:rPr>
+                              </m:ctrlPr>
+                            </m:sSubPr>
+                            <m:e>
+                              <m:r>
+                                <a:rPr lang="en-US" i="1">
+                                  <a:solidFill>
+                                    <a:schemeClr val="bg1"/>
+                                  </a:solidFill>
+                                  <a:latin typeface="Cambria Math" panose="02040503050406030204" pitchFamily="18" charset="0"/>
+                                </a:rPr>
+                                <m:t>𝑛</m:t>
+                              </m:r>
+                            </m:e>
+                            <m:sub>
+                              <m:r>
+                                <a:rPr lang="en-US" i="1">
+                                  <a:solidFill>
+                                    <a:schemeClr val="bg1"/>
+                                  </a:solidFill>
+                                  <a:latin typeface="Cambria Math" panose="02040503050406030204" pitchFamily="18" charset="0"/>
+                                </a:rPr>
+                                <m:t>2</m:t>
+                              </m:r>
+                            </m:sub>
+                          </m:sSub>
+                        </m:e>
+                      </m:d>
+                      <m:r>
+                        <a:rPr lang="en-US" i="1">
+                          <a:solidFill>
+                            <a:schemeClr val="bg1"/>
+                          </a:solidFill>
+                          <a:latin typeface="Cambria Math" panose="02040503050406030204" pitchFamily="18" charset="0"/>
+                        </a:rPr>
+                        <m:t>−1&lt; </m:t>
+                      </m:r>
+                      <m:r>
+                        <a:rPr lang="en-US" b="1" i="1">
                           <a:solidFill>
                             <a:schemeClr val="bg1"/>
                           </a:solidFill>
@@ -18538,13 +18640,13 @@
                         <m:t>𝒅𝒇</m:t>
                       </m:r>
                       <m:r>
-                        <a:rPr lang="en-US" b="0" i="1" smtClean="0">
+                        <a:rPr lang="en-US" i="1">
                           <a:solidFill>
                             <a:schemeClr val="bg1"/>
                           </a:solidFill>
                           <a:latin typeface="Cambria Math" panose="02040503050406030204" pitchFamily="18" charset="0"/>
                         </a:rPr>
-                        <m:t>= </m:t>
+                        <m:t>&lt; </m:t>
                       </m:r>
                       <m:sSub>
                         <m:sSubPr>
@@ -18644,7 +18746,7 @@
             </p:txBody>
           </p:sp>
         </mc:Choice>
-        <mc:Fallback xmlns="">
+        <mc:Fallback>
           <p:sp>
             <p:nvSpPr>
               <p:cNvPr id="28" name="TextBox 27"/>
@@ -18655,7 +18757,7 @@
             </p:nvSpPr>
             <p:spPr>
               <a:xfrm>
-                <a:off x="5905327" y="2593302"/>
+                <a:off x="5884164" y="2267918"/>
                 <a:ext cx="4498684" cy="276999"/>
               </a:xfrm>
               <a:prstGeom prst="rect">
@@ -18664,7 +18766,7 @@
               <a:blipFill>
                 <a:blip r:embed="rId6"/>
                 <a:stretch>
-                  <a:fillRect b="-32000"/>
+                  <a:fillRect t="-4167" b="-33333"/>
                 </a:stretch>
               </a:blipFill>
               <a:ln>
@@ -18688,8 +18790,8 @@
           </p:sp>
         </mc:Fallback>
       </mc:AlternateContent>
-      <mc:AlternateContent xmlns:mc="http://schemas.openxmlformats.org/markup-compatibility/2006" xmlns:a14="http://schemas.microsoft.com/office/drawing/2010/main">
-        <mc:Choice Requires="a14">
+      <mc:AlternateContent xmlns:mc="http://schemas.openxmlformats.org/markup-compatibility/2006">
+        <mc:Choice xmlns:a14="http://schemas.microsoft.com/office/drawing/2010/main" Requires="a14">
           <p:sp>
             <p:nvSpPr>
               <p:cNvPr id="29" name="TextBox 28"/>
@@ -18698,7 +18800,7 @@
             </p:nvSpPr>
             <p:spPr>
               <a:xfrm>
-                <a:off x="5905327" y="5030503"/>
+                <a:off x="5905327" y="4661172"/>
                 <a:ext cx="4498684" cy="276999"/>
               </a:xfrm>
               <a:prstGeom prst="rect">
@@ -18744,138 +18846,29 @@
                     </m:oMathParaPr>
                     <m:oMath xmlns:m="http://schemas.openxmlformats.org/officeDocument/2006/math">
                       <m:r>
-                        <a:rPr lang="en-US" b="0" i="1" smtClean="0">
+                        <a:rPr lang="en-US" b="1" i="1">
                           <a:solidFill>
-                            <a:srgbClr val="7030A0"/>
-                          </a:solidFill>
-                          <a:latin typeface="Cambria Math" panose="02040503050406030204" pitchFamily="18" charset="0"/>
-                        </a:rPr>
-                        <m:t>𝑚𝑖𝑛</m:t>
-                      </m:r>
-                      <m:d>
-                        <m:dPr>
-                          <m:ctrlPr>
-                            <a:rPr lang="en-US" b="0" i="1" smtClean="0">
-                              <a:solidFill>
-                                <a:srgbClr val="7030A0"/>
-                              </a:solidFill>
-                              <a:latin typeface="Cambria Math" panose="02040503050406030204" pitchFamily="18" charset="0"/>
-                            </a:rPr>
-                          </m:ctrlPr>
-                        </m:dPr>
-                        <m:e>
-                          <m:sSub>
-                            <m:sSubPr>
-                              <m:ctrlPr>
-                                <a:rPr lang="en-US" i="1">
-                                  <a:solidFill>
-                                    <a:srgbClr val="7030A0"/>
-                                  </a:solidFill>
-                                  <a:latin typeface="Cambria Math" panose="02040503050406030204" pitchFamily="18" charset="0"/>
-                                </a:rPr>
-                              </m:ctrlPr>
-                            </m:sSubPr>
-                            <m:e>
-                              <m:r>
-                                <a:rPr lang="en-US" i="1">
-                                  <a:solidFill>
-                                    <a:srgbClr val="7030A0"/>
-                                  </a:solidFill>
-                                  <a:latin typeface="Cambria Math" panose="02040503050406030204" pitchFamily="18" charset="0"/>
-                                </a:rPr>
-                                <m:t>𝑛</m:t>
-                              </m:r>
-                            </m:e>
-                            <m:sub>
-                              <m:r>
-                                <a:rPr lang="en-US" i="1">
-                                  <a:solidFill>
-                                    <a:srgbClr val="7030A0"/>
-                                  </a:solidFill>
-                                  <a:latin typeface="Cambria Math" panose="02040503050406030204" pitchFamily="18" charset="0"/>
-                                </a:rPr>
-                                <m:t>1</m:t>
-                              </m:r>
-                            </m:sub>
-                          </m:sSub>
-                          <m:r>
-                            <a:rPr lang="en-US" b="0" i="1" smtClean="0">
-                              <a:solidFill>
-                                <a:srgbClr val="7030A0"/>
-                              </a:solidFill>
-                              <a:latin typeface="Cambria Math" panose="02040503050406030204" pitchFamily="18" charset="0"/>
-                            </a:rPr>
-                            <m:t>, </m:t>
-                          </m:r>
-                          <m:sSub>
-                            <m:sSubPr>
-                              <m:ctrlPr>
-                                <a:rPr lang="en-US" i="1">
-                                  <a:solidFill>
-                                    <a:srgbClr val="7030A0"/>
-                                  </a:solidFill>
-                                  <a:latin typeface="Cambria Math" panose="02040503050406030204" pitchFamily="18" charset="0"/>
-                                </a:rPr>
-                              </m:ctrlPr>
-                            </m:sSubPr>
-                            <m:e>
-                              <m:r>
-                                <a:rPr lang="en-US" i="1">
-                                  <a:solidFill>
-                                    <a:srgbClr val="7030A0"/>
-                                  </a:solidFill>
-                                  <a:latin typeface="Cambria Math" panose="02040503050406030204" pitchFamily="18" charset="0"/>
-                                </a:rPr>
-                                <m:t>𝑛</m:t>
-                              </m:r>
-                            </m:e>
-                            <m:sub>
-                              <m:r>
-                                <a:rPr lang="en-US" i="1">
-                                  <a:solidFill>
-                                    <a:srgbClr val="7030A0"/>
-                                  </a:solidFill>
-                                  <a:latin typeface="Cambria Math" panose="02040503050406030204" pitchFamily="18" charset="0"/>
-                                </a:rPr>
-                                <m:t>2</m:t>
-                              </m:r>
-                            </m:sub>
-                          </m:sSub>
-                        </m:e>
-                      </m:d>
-                      <m:r>
-                        <a:rPr lang="en-US" b="0" i="1" smtClean="0">
-                          <a:solidFill>
-                            <a:srgbClr val="7030A0"/>
-                          </a:solidFill>
-                          <a:latin typeface="Cambria Math" panose="02040503050406030204" pitchFamily="18" charset="0"/>
-                        </a:rPr>
-                        <m:t>−1&lt; </m:t>
-                      </m:r>
-                      <m:r>
-                        <a:rPr lang="en-US" b="1" i="1" smtClean="0">
-                          <a:solidFill>
-                            <a:srgbClr val="7030A0"/>
+                            <a:schemeClr val="bg1"/>
                           </a:solidFill>
                           <a:latin typeface="Cambria Math" panose="02040503050406030204" pitchFamily="18" charset="0"/>
                         </a:rPr>
                         <m:t>𝒅𝒇</m:t>
                       </m:r>
                       <m:r>
-                        <a:rPr lang="en-US" b="0" i="1" smtClean="0">
+                        <a:rPr lang="en-US" i="1">
                           <a:solidFill>
-                            <a:srgbClr val="7030A0"/>
+                            <a:schemeClr val="bg1"/>
                           </a:solidFill>
                           <a:latin typeface="Cambria Math" panose="02040503050406030204" pitchFamily="18" charset="0"/>
                         </a:rPr>
-                        <m:t>&lt; </m:t>
+                        <m:t>= </m:t>
                       </m:r>
                       <m:sSub>
                         <m:sSubPr>
                           <m:ctrlPr>
                             <a:rPr lang="en-US" i="1">
                               <a:solidFill>
-                                <a:srgbClr val="7030A0"/>
+                                <a:schemeClr val="bg1"/>
                               </a:solidFill>
                               <a:latin typeface="Cambria Math" panose="02040503050406030204" pitchFamily="18" charset="0"/>
                             </a:rPr>
@@ -18885,7 +18878,7 @@
                           <m:r>
                             <a:rPr lang="en-US" i="1">
                               <a:solidFill>
-                                <a:srgbClr val="7030A0"/>
+                                <a:schemeClr val="bg1"/>
                               </a:solidFill>
                               <a:latin typeface="Cambria Math" panose="02040503050406030204" pitchFamily="18" charset="0"/>
                             </a:rPr>
@@ -18896,7 +18889,7 @@
                           <m:r>
                             <a:rPr lang="en-US" i="1">
                               <a:solidFill>
-                                <a:srgbClr val="7030A0"/>
+                                <a:schemeClr val="bg1"/>
                               </a:solidFill>
                               <a:latin typeface="Cambria Math" panose="02040503050406030204" pitchFamily="18" charset="0"/>
                             </a:rPr>
@@ -18907,7 +18900,7 @@
                       <m:r>
                         <a:rPr lang="en-US" i="1">
                           <a:solidFill>
-                            <a:srgbClr val="7030A0"/>
+                            <a:schemeClr val="bg1"/>
                           </a:solidFill>
                           <a:latin typeface="Cambria Math" panose="02040503050406030204" pitchFamily="18" charset="0"/>
                         </a:rPr>
@@ -18918,7 +18911,7 @@
                           <m:ctrlPr>
                             <a:rPr lang="en-US" i="1">
                               <a:solidFill>
-                                <a:srgbClr val="7030A0"/>
+                                <a:schemeClr val="bg1"/>
                               </a:solidFill>
                               <a:latin typeface="Cambria Math" panose="02040503050406030204" pitchFamily="18" charset="0"/>
                             </a:rPr>
@@ -18928,7 +18921,7 @@
                           <m:r>
                             <a:rPr lang="en-US" i="1">
                               <a:solidFill>
-                                <a:srgbClr val="7030A0"/>
+                                <a:schemeClr val="bg1"/>
                               </a:solidFill>
                               <a:latin typeface="Cambria Math" panose="02040503050406030204" pitchFamily="18" charset="0"/>
                             </a:rPr>
@@ -18939,7 +18932,7 @@
                           <m:r>
                             <a:rPr lang="en-US" i="1">
                               <a:solidFill>
-                                <a:srgbClr val="7030A0"/>
+                                <a:schemeClr val="bg1"/>
                               </a:solidFill>
                               <a:latin typeface="Cambria Math" panose="02040503050406030204" pitchFamily="18" charset="0"/>
                             </a:rPr>
@@ -18950,7 +18943,7 @@
                       <m:r>
                         <a:rPr lang="en-US" i="1">
                           <a:solidFill>
-                            <a:srgbClr val="7030A0"/>
+                            <a:schemeClr val="bg1"/>
                           </a:solidFill>
                           <a:latin typeface="Cambria Math" panose="02040503050406030204" pitchFamily="18" charset="0"/>
                         </a:rPr>
@@ -18968,7 +18961,7 @@
             </p:txBody>
           </p:sp>
         </mc:Choice>
-        <mc:Fallback xmlns="">
+        <mc:Fallback>
           <p:sp>
             <p:nvSpPr>
               <p:cNvPr id="29" name="TextBox 28"/>
@@ -18979,7 +18972,7 @@
             </p:nvSpPr>
             <p:spPr>
               <a:xfrm>
-                <a:off x="5905327" y="5030503"/>
+                <a:off x="5905327" y="4661172"/>
                 <a:ext cx="4498684" cy="276999"/>
               </a:xfrm>
               <a:prstGeom prst="rect">
@@ -18988,7 +18981,7 @@
               <a:blipFill>
                 <a:blip r:embed="rId7"/>
                 <a:stretch>
-                  <a:fillRect b="-32000"/>
+                  <a:fillRect b="-37500"/>
                 </a:stretch>
               </a:blipFill>
               <a:ln>
@@ -19023,8 +19016,8 @@
         </p:nvCxnSpPr>
         <p:spPr>
           <a:xfrm flipV="1">
-            <a:off x="3409632" y="3972877"/>
-            <a:ext cx="2495695" cy="994293"/>
+            <a:off x="3409632" y="3788211"/>
+            <a:ext cx="2495695" cy="1178960"/>
           </a:xfrm>
           <a:prstGeom prst="straightConnector1">
             <a:avLst/>
@@ -20981,8 +20974,8 @@
         </p:nvSpPr>
         <p:spPr>
           <a:xfrm>
-            <a:off x="1477735" y="1220996"/>
-            <a:ext cx="7927170" cy="5339923"/>
+            <a:off x="1541691" y="1063416"/>
+            <a:ext cx="7927170" cy="5586145"/>
           </a:xfrm>
           <a:prstGeom prst="rect">
             <a:avLst/>
@@ -21351,7 +21344,7 @@
                 <a:latin typeface="Consolas" panose="020B0609020204030204" pitchFamily="49" charset="0"/>
                 <a:cs typeface="Consolas" panose="020B0609020204030204" pitchFamily="49" charset="0"/>
               </a:rPr>
-              <a:t>#&gt; 	Welch Two Sample t-test</a:t>
+              <a:t>#&gt; 	Two Sample t-test</a:t>
             </a:r>
           </a:p>
           <a:p>
@@ -21365,7 +21358,7 @@
                 <a:latin typeface="Consolas" panose="020B0609020204030204" pitchFamily="49" charset="0"/>
                 <a:cs typeface="Consolas" panose="020B0609020204030204" pitchFamily="49" charset="0"/>
               </a:rPr>
-              <a:t>#&gt; data:  value by group</a:t>
+              <a:t>#&gt;</a:t>
             </a:r>
           </a:p>
           <a:p>
@@ -21379,10 +21372,12 @@
                 <a:latin typeface="Consolas" panose="020B0609020204030204" pitchFamily="49" charset="0"/>
                 <a:cs typeface="Consolas" panose="020B0609020204030204" pitchFamily="49" charset="0"/>
               </a:rPr>
-              <a:t>#&gt; t = -1.9642, </a:t>
-            </a:r>
-            <a:r>
-              <a:rPr lang="en-US" sz="1600" dirty="0" err="1">
+              <a:t>#&gt; data:  value by group</a:t>
+            </a:r>
+          </a:p>
+          <a:p>
+            <a:r>
+              <a:rPr lang="en-US" sz="1600" dirty="0">
                 <a:solidFill>
                   <a:schemeClr val="accent5">
                     <a:lumMod val="50000"/>
@@ -21391,8 +21386,10 @@
                 <a:latin typeface="Consolas" panose="020B0609020204030204" pitchFamily="49" charset="0"/>
                 <a:cs typeface="Consolas" panose="020B0609020204030204" pitchFamily="49" charset="0"/>
               </a:rPr>
-              <a:t>df</a:t>
-            </a:r>
+              <a:t>#&gt; t = -1.9642, df = 8, p-value = 0.08511</a:t>
+            </a:r>
+          </a:p>
+          <a:p>
             <a:r>
               <a:rPr lang="en-US" sz="1600" dirty="0">
                 <a:solidFill>
@@ -21403,7 +21400,7 @@
                 <a:latin typeface="Consolas" panose="020B0609020204030204" pitchFamily="49" charset="0"/>
                 <a:cs typeface="Consolas" panose="020B0609020204030204" pitchFamily="49" charset="0"/>
               </a:rPr>
-              <a:t> = 7.1732, p-value = 0.08927</a:t>
+              <a:t>#&gt; alternative hypothesis: true difference in means is not equal to 0</a:t>
             </a:r>
           </a:p>
           <a:p>
@@ -21417,7 +21414,7 @@
                 <a:latin typeface="Consolas" panose="020B0609020204030204" pitchFamily="49" charset="0"/>
                 <a:cs typeface="Consolas" panose="020B0609020204030204" pitchFamily="49" charset="0"/>
               </a:rPr>
-              <a:t>#&gt; alternative hypothesis: true difference in means is not equal to 0</a:t>
+              <a:t>#&gt; 95 percent confidence interval:</a:t>
             </a:r>
           </a:p>
           <a:p>
@@ -21431,7 +21428,7 @@
                 <a:latin typeface="Consolas" panose="020B0609020204030204" pitchFamily="49" charset="0"/>
                 <a:cs typeface="Consolas" panose="020B0609020204030204" pitchFamily="49" charset="0"/>
               </a:rPr>
-              <a:t>#&gt; 95 percent confidence interval:</a:t>
+              <a:t>#&gt;    -10.8701282   0.8701282</a:t>
             </a:r>
           </a:p>
           <a:p>
@@ -21445,7 +21442,7 @@
                 <a:latin typeface="Consolas" panose="020B0609020204030204" pitchFamily="49" charset="0"/>
                 <a:cs typeface="Consolas" panose="020B0609020204030204" pitchFamily="49" charset="0"/>
               </a:rPr>
-              <a:t>#&gt;   -10.9900148   0.9900148</a:t>
+              <a:t>#&gt; sample estimates:</a:t>
             </a:r>
           </a:p>
           <a:p>
@@ -21459,7 +21456,7 @@
                 <a:latin typeface="Consolas" panose="020B0609020204030204" pitchFamily="49" charset="0"/>
                 <a:cs typeface="Consolas" panose="020B0609020204030204" pitchFamily="49" charset="0"/>
               </a:rPr>
-              <a:t>#&gt; sample estimates:</a:t>
+              <a:t>#&gt; mean in group group1 mean in group group2 </a:t>
             </a:r>
           </a:p>
           <a:p>
@@ -21473,21 +21470,7 @@
                 <a:latin typeface="Consolas" panose="020B0609020204030204" pitchFamily="49" charset="0"/>
                 <a:cs typeface="Consolas" panose="020B0609020204030204" pitchFamily="49" charset="0"/>
               </a:rPr>
-              <a:t>#&gt; mean in group group1  mean in group group2</a:t>
-            </a:r>
-          </a:p>
-          <a:p>
-            <a:r>
-              <a:rPr lang="en-US" sz="1600" dirty="0">
-                <a:solidFill>
-                  <a:schemeClr val="accent5">
-                    <a:lumMod val="50000"/>
-                  </a:schemeClr>
-                </a:solidFill>
-                <a:latin typeface="Consolas" panose="020B0609020204030204" pitchFamily="49" charset="0"/>
-                <a:cs typeface="Consolas" panose="020B0609020204030204" pitchFamily="49" charset="0"/>
-              </a:rPr>
-              <a:t>#&gt;                  2.8                   7.8 </a:t>
+              <a:t>#&gt;                 2.8                  7.8 </a:t>
             </a:r>
           </a:p>
         </p:txBody>
